--- a/Presentation/2021-10-20/00 - Intro.pptx
+++ b/Presentation/2021-10-20/00 - Intro.pptx
@@ -240,7 +240,7 @@
             <a:fld id="{A74C3DD1-6B4C-423E-A696-BD4124EC33BC}" type="datetimeFigureOut">
               <a:rPr lang="cs-CZ" smtClean="0"/>
               <a:pPr/>
-              <a:t>11.10.2021</a:t>
+              <a:t>18.10.2021</a:t>
             </a:fld>
             <a:endParaRPr lang="cs-CZ" dirty="0"/>
           </a:p>
@@ -707,7 +707,7 @@
           <a:p>
             <a:fld id="{0DA6F2F8-F70A-47D7-AD2D-4F12E71A0C18}" type="datetimeFigureOut">
               <a:rPr lang="cs-CZ" smtClean="0"/>
-              <a:t>11.10.2021</a:t>
+              <a:t>18.10.2021</a:t>
             </a:fld>
             <a:endParaRPr lang="cs-CZ"/>
           </a:p>
@@ -889,7 +889,7 @@
           <a:p>
             <a:fld id="{0DA6F2F8-F70A-47D7-AD2D-4F12E71A0C18}" type="datetimeFigureOut">
               <a:rPr lang="cs-CZ" smtClean="0"/>
-              <a:t>11.10.2021</a:t>
+              <a:t>18.10.2021</a:t>
             </a:fld>
             <a:endParaRPr lang="cs-CZ"/>
           </a:p>
@@ -1081,7 +1081,7 @@
           <a:p>
             <a:fld id="{0DA6F2F8-F70A-47D7-AD2D-4F12E71A0C18}" type="datetimeFigureOut">
               <a:rPr lang="cs-CZ" smtClean="0"/>
-              <a:t>11.10.2021</a:t>
+              <a:t>18.10.2021</a:t>
             </a:fld>
             <a:endParaRPr lang="cs-CZ"/>
           </a:p>
@@ -1296,7 +1296,7 @@
           <a:p>
             <a:fld id="{0DA6F2F8-F70A-47D7-AD2D-4F12E71A0C18}" type="datetimeFigureOut">
               <a:rPr lang="cs-CZ" smtClean="0"/>
-              <a:t>11.10.2021</a:t>
+              <a:t>18.10.2021</a:t>
             </a:fld>
             <a:endParaRPr lang="cs-CZ"/>
           </a:p>
@@ -1571,7 +1571,7 @@
           <a:p>
             <a:fld id="{0DA6F2F8-F70A-47D7-AD2D-4F12E71A0C18}" type="datetimeFigureOut">
               <a:rPr lang="cs-CZ" smtClean="0"/>
-              <a:t>11.10.2021</a:t>
+              <a:t>18.10.2021</a:t>
             </a:fld>
             <a:endParaRPr lang="cs-CZ"/>
           </a:p>
@@ -1888,7 +1888,7 @@
           <a:p>
             <a:fld id="{0DA6F2F8-F70A-47D7-AD2D-4F12E71A0C18}" type="datetimeFigureOut">
               <a:rPr lang="cs-CZ" smtClean="0"/>
-              <a:t>11.10.2021</a:t>
+              <a:t>18.10.2021</a:t>
             </a:fld>
             <a:endParaRPr lang="cs-CZ" dirty="0"/>
           </a:p>
@@ -2339,7 +2339,7 @@
           <a:p>
             <a:fld id="{0DA6F2F8-F70A-47D7-AD2D-4F12E71A0C18}" type="datetimeFigureOut">
               <a:rPr lang="cs-CZ" smtClean="0"/>
-              <a:t>11.10.2021</a:t>
+              <a:t>18.10.2021</a:t>
             </a:fld>
             <a:endParaRPr lang="cs-CZ"/>
           </a:p>
@@ -2486,7 +2486,7 @@
           <a:p>
             <a:fld id="{0DA6F2F8-F70A-47D7-AD2D-4F12E71A0C18}" type="datetimeFigureOut">
               <a:rPr lang="cs-CZ" smtClean="0"/>
-              <a:t>11.10.2021</a:t>
+              <a:t>18.10.2021</a:t>
             </a:fld>
             <a:endParaRPr lang="cs-CZ"/>
           </a:p>
@@ -2593,7 +2593,7 @@
           <a:p>
             <a:fld id="{0DA6F2F8-F70A-47D7-AD2D-4F12E71A0C18}" type="datetimeFigureOut">
               <a:rPr lang="cs-CZ" smtClean="0"/>
-              <a:t>11.10.2021</a:t>
+              <a:t>18.10.2021</a:t>
             </a:fld>
             <a:endParaRPr lang="cs-CZ"/>
           </a:p>
@@ -2884,7 +2884,7 @@
           <a:p>
             <a:fld id="{0DA6F2F8-F70A-47D7-AD2D-4F12E71A0C18}" type="datetimeFigureOut">
               <a:rPr lang="cs-CZ" smtClean="0"/>
-              <a:t>11.10.2021</a:t>
+              <a:t>18.10.2021</a:t>
             </a:fld>
             <a:endParaRPr lang="cs-CZ"/>
           </a:p>
@@ -3153,7 +3153,7 @@
           <a:p>
             <a:fld id="{0DA6F2F8-F70A-47D7-AD2D-4F12E71A0C18}" type="datetimeFigureOut">
               <a:rPr lang="cs-CZ" smtClean="0"/>
-              <a:t>11.10.2021</a:t>
+              <a:t>18.10.2021</a:t>
             </a:fld>
             <a:endParaRPr lang="cs-CZ"/>
           </a:p>
@@ -3417,7 +3417,7 @@
           <a:p>
             <a:fld id="{0DA6F2F8-F70A-47D7-AD2D-4F12E71A0C18}" type="datetimeFigureOut">
               <a:rPr lang="cs-CZ" smtClean="0"/>
-              <a:t>11.10.2021</a:t>
+              <a:t>18.10.2021</a:t>
             </a:fld>
             <a:endParaRPr lang="cs-CZ"/>
           </a:p>
@@ -4069,8 +4069,8 @@
               <a:t>JavaScript </a:t>
             </a:r>
             <a:r>
-              <a:rPr lang="cs-CZ" dirty="0" err="1"/>
-              <a:t>interop</a:t>
+              <a:rPr lang="cs-CZ"/>
+              <a:t>Interop</a:t>
             </a:r>
             <a:endParaRPr lang="cs-CZ" dirty="0"/>
           </a:p>
@@ -4704,21 +4704,6 @@
 </file>
 
 <file path=customXml/item1.xml><?xml version="1.0" encoding="utf-8"?>
-<p:properties xmlns:p="http://schemas.microsoft.com/office/2006/metadata/properties" xmlns:xsi="http://www.w3.org/2001/XMLSchema-instance" xmlns:pc="http://schemas.microsoft.com/office/infopath/2007/PartnerControls">
-  <documentManagement/>
-</p:properties>
-</file>
-
-<file path=customXml/item2.xml><?xml version="1.0" encoding="utf-8"?>
-<?mso-contentType ?>
-<FormTemplates xmlns="http://schemas.microsoft.com/sharepoint/v3/contenttype/forms">
-  <Display>DocumentLibraryForm</Display>
-  <Edit>DocumentLibraryForm</Edit>
-  <New>DocumentLibraryForm</New>
-</FormTemplates>
-</file>
-
-<file path=customXml/item3.xml><?xml version="1.0" encoding="utf-8"?>
 <ct:contentTypeSchema xmlns:ct="http://schemas.microsoft.com/office/2006/metadata/contentType" xmlns:ma="http://schemas.microsoft.com/office/2006/metadata/properties/metaAttributes" ct:_="" ma:_="" ma:contentTypeName="Dokument" ma:contentTypeID="0x0101000FED9D5FE1F44145801737A7BA47560B" ma:contentTypeVersion="0" ma:contentTypeDescription="Vytvoří nový dokument" ma:contentTypeScope="" ma:versionID="865cee90d61be235413a64cabd79a281">
   <xsd:schema xmlns:xsd="http://www.w3.org/2001/XMLSchema" xmlns:xs="http://www.w3.org/2001/XMLSchema" xmlns:p="http://schemas.microsoft.com/office/2006/metadata/properties" targetNamespace="http://schemas.microsoft.com/office/2006/metadata/properties" ma:root="true" ma:fieldsID="871d6b51c5141eb32e0d04e037372b3c">
     <xsd:element name="properties">
@@ -4832,10 +4817,32 @@
 </ct:contentTypeSchema>
 </file>
 
+<file path=customXml/item2.xml><?xml version="1.0" encoding="utf-8"?>
+<?mso-contentType ?>
+<FormTemplates xmlns="http://schemas.microsoft.com/sharepoint/v3/contenttype/forms">
+  <Display>DocumentLibraryForm</Display>
+  <Edit>DocumentLibraryForm</Edit>
+  <New>DocumentLibraryForm</New>
+</FormTemplates>
+</file>
+
+<file path=customXml/item3.xml><?xml version="1.0" encoding="utf-8"?>
+<p:properties xmlns:p="http://schemas.microsoft.com/office/2006/metadata/properties" xmlns:xsi="http://www.w3.org/2001/XMLSchema-instance" xmlns:pc="http://schemas.microsoft.com/office/infopath/2007/PartnerControls">
+  <documentManagement/>
+</p:properties>
+</file>
+
 <file path=customXml/itemProps1.xml><?xml version="1.0" encoding="utf-8"?>
-<ds:datastoreItem xmlns:ds="http://schemas.openxmlformats.org/officeDocument/2006/customXml" ds:itemID="{317FD51D-081C-435E-8F5D-6D88218064D9}">
+<ds:datastoreItem xmlns:ds="http://schemas.openxmlformats.org/officeDocument/2006/customXml" ds:itemID="{BABDB233-CC77-4AD7-B48B-2F061438568A}">
   <ds:schemaRefs>
+    <ds:schemaRef ds:uri="http://schemas.microsoft.com/office/2006/metadata/contentType"/>
+    <ds:schemaRef ds:uri="http://schemas.microsoft.com/office/2006/metadata/properties/metaAttributes"/>
+    <ds:schemaRef ds:uri="http://www.w3.org/2001/XMLSchema"/>
     <ds:schemaRef ds:uri="http://schemas.microsoft.com/office/2006/metadata/properties"/>
+    <ds:schemaRef ds:uri="http://schemas.openxmlformats.org/package/2006/metadata/core-properties"/>
+    <ds:schemaRef ds:uri="http://purl.org/dc/elements/1.1/"/>
+    <ds:schemaRef ds:uri="http://purl.org/dc/terms/"/>
+    <ds:schemaRef ds:uri="http://schemas.microsoft.com/internal/obd"/>
     <ds:schemaRef ds:uri="http://schemas.microsoft.com/office/infopath/2007/PartnerControls"/>
   </ds:schemaRefs>
 </ds:datastoreItem>
@@ -4850,16 +4857,9 @@
 </file>
 
 <file path=customXml/itemProps3.xml><?xml version="1.0" encoding="utf-8"?>
-<ds:datastoreItem xmlns:ds="http://schemas.openxmlformats.org/officeDocument/2006/customXml" ds:itemID="{BABDB233-CC77-4AD7-B48B-2F061438568A}">
+<ds:datastoreItem xmlns:ds="http://schemas.openxmlformats.org/officeDocument/2006/customXml" ds:itemID="{317FD51D-081C-435E-8F5D-6D88218064D9}">
   <ds:schemaRefs>
-    <ds:schemaRef ds:uri="http://schemas.microsoft.com/office/2006/metadata/contentType"/>
-    <ds:schemaRef ds:uri="http://schemas.microsoft.com/office/2006/metadata/properties/metaAttributes"/>
-    <ds:schemaRef ds:uri="http://www.w3.org/2001/XMLSchema"/>
     <ds:schemaRef ds:uri="http://schemas.microsoft.com/office/2006/metadata/properties"/>
-    <ds:schemaRef ds:uri="http://schemas.openxmlformats.org/package/2006/metadata/core-properties"/>
-    <ds:schemaRef ds:uri="http://purl.org/dc/elements/1.1/"/>
-    <ds:schemaRef ds:uri="http://purl.org/dc/terms/"/>
-    <ds:schemaRef ds:uri="http://schemas.microsoft.com/internal/obd"/>
     <ds:schemaRef ds:uri="http://schemas.microsoft.com/office/infopath/2007/PartnerControls"/>
   </ds:schemaRefs>
 </ds:datastoreItem>

--- a/Presentation/2021-10-20/00 - Intro.pptx
+++ b/Presentation/2021-10-20/00 - Intro.pptx
@@ -240,7 +240,7 @@
             <a:fld id="{A74C3DD1-6B4C-423E-A696-BD4124EC33BC}" type="datetimeFigureOut">
               <a:rPr lang="cs-CZ" smtClean="0"/>
               <a:pPr/>
-              <a:t>18.10.2021</a:t>
+              <a:t>19.10.2021</a:t>
             </a:fld>
             <a:endParaRPr lang="cs-CZ" dirty="0"/>
           </a:p>
@@ -707,7 +707,7 @@
           <a:p>
             <a:fld id="{0DA6F2F8-F70A-47D7-AD2D-4F12E71A0C18}" type="datetimeFigureOut">
               <a:rPr lang="cs-CZ" smtClean="0"/>
-              <a:t>18.10.2021</a:t>
+              <a:t>19.10.2021</a:t>
             </a:fld>
             <a:endParaRPr lang="cs-CZ"/>
           </a:p>
@@ -889,7 +889,7 @@
           <a:p>
             <a:fld id="{0DA6F2F8-F70A-47D7-AD2D-4F12E71A0C18}" type="datetimeFigureOut">
               <a:rPr lang="cs-CZ" smtClean="0"/>
-              <a:t>18.10.2021</a:t>
+              <a:t>19.10.2021</a:t>
             </a:fld>
             <a:endParaRPr lang="cs-CZ"/>
           </a:p>
@@ -1081,7 +1081,7 @@
           <a:p>
             <a:fld id="{0DA6F2F8-F70A-47D7-AD2D-4F12E71A0C18}" type="datetimeFigureOut">
               <a:rPr lang="cs-CZ" smtClean="0"/>
-              <a:t>18.10.2021</a:t>
+              <a:t>19.10.2021</a:t>
             </a:fld>
             <a:endParaRPr lang="cs-CZ"/>
           </a:p>
@@ -1296,7 +1296,7 @@
           <a:p>
             <a:fld id="{0DA6F2F8-F70A-47D7-AD2D-4F12E71A0C18}" type="datetimeFigureOut">
               <a:rPr lang="cs-CZ" smtClean="0"/>
-              <a:t>18.10.2021</a:t>
+              <a:t>19.10.2021</a:t>
             </a:fld>
             <a:endParaRPr lang="cs-CZ"/>
           </a:p>
@@ -1571,7 +1571,7 @@
           <a:p>
             <a:fld id="{0DA6F2F8-F70A-47D7-AD2D-4F12E71A0C18}" type="datetimeFigureOut">
               <a:rPr lang="cs-CZ" smtClean="0"/>
-              <a:t>18.10.2021</a:t>
+              <a:t>19.10.2021</a:t>
             </a:fld>
             <a:endParaRPr lang="cs-CZ"/>
           </a:p>
@@ -1888,7 +1888,7 @@
           <a:p>
             <a:fld id="{0DA6F2F8-F70A-47D7-AD2D-4F12E71A0C18}" type="datetimeFigureOut">
               <a:rPr lang="cs-CZ" smtClean="0"/>
-              <a:t>18.10.2021</a:t>
+              <a:t>19.10.2021</a:t>
             </a:fld>
             <a:endParaRPr lang="cs-CZ" dirty="0"/>
           </a:p>
@@ -2339,7 +2339,7 @@
           <a:p>
             <a:fld id="{0DA6F2F8-F70A-47D7-AD2D-4F12E71A0C18}" type="datetimeFigureOut">
               <a:rPr lang="cs-CZ" smtClean="0"/>
-              <a:t>18.10.2021</a:t>
+              <a:t>19.10.2021</a:t>
             </a:fld>
             <a:endParaRPr lang="cs-CZ"/>
           </a:p>
@@ -2486,7 +2486,7 @@
           <a:p>
             <a:fld id="{0DA6F2F8-F70A-47D7-AD2D-4F12E71A0C18}" type="datetimeFigureOut">
               <a:rPr lang="cs-CZ" smtClean="0"/>
-              <a:t>18.10.2021</a:t>
+              <a:t>19.10.2021</a:t>
             </a:fld>
             <a:endParaRPr lang="cs-CZ"/>
           </a:p>
@@ -2593,7 +2593,7 @@
           <a:p>
             <a:fld id="{0DA6F2F8-F70A-47D7-AD2D-4F12E71A0C18}" type="datetimeFigureOut">
               <a:rPr lang="cs-CZ" smtClean="0"/>
-              <a:t>18.10.2021</a:t>
+              <a:t>19.10.2021</a:t>
             </a:fld>
             <a:endParaRPr lang="cs-CZ"/>
           </a:p>
@@ -2884,7 +2884,7 @@
           <a:p>
             <a:fld id="{0DA6F2F8-F70A-47D7-AD2D-4F12E71A0C18}" type="datetimeFigureOut">
               <a:rPr lang="cs-CZ" smtClean="0"/>
-              <a:t>18.10.2021</a:t>
+              <a:t>19.10.2021</a:t>
             </a:fld>
             <a:endParaRPr lang="cs-CZ"/>
           </a:p>
@@ -3153,7 +3153,7 @@
           <a:p>
             <a:fld id="{0DA6F2F8-F70A-47D7-AD2D-4F12E71A0C18}" type="datetimeFigureOut">
               <a:rPr lang="cs-CZ" smtClean="0"/>
-              <a:t>18.10.2021</a:t>
+              <a:t>19.10.2021</a:t>
             </a:fld>
             <a:endParaRPr lang="cs-CZ"/>
           </a:p>
@@ -3417,7 +3417,7 @@
           <a:p>
             <a:fld id="{0DA6F2F8-F70A-47D7-AD2D-4F12E71A0C18}" type="datetimeFigureOut">
               <a:rPr lang="cs-CZ" smtClean="0"/>
-              <a:t>18.10.2021</a:t>
+              <a:t>19.10.2021</a:t>
             </a:fld>
             <a:endParaRPr lang="cs-CZ"/>
           </a:p>
@@ -3834,11 +3834,54 @@
           <a:p>
             <a:r>
               <a:rPr lang="cs-CZ" dirty="0"/>
-              <a:t>ASP.NET Core </a:t>
-            </a:r>
-            <a:r>
+              <a:t>ASP.NET </a:t>
+            </a:r>
+            <a:r>
+              <a:rPr lang="cs-CZ" dirty="0" err="1"/>
+              <a:t>Core</a:t>
+            </a:r>
+            <a:r>
+              <a:rPr lang="cs-CZ" dirty="0"/>
+              <a:t> </a:t>
+            </a:r>
+            <a:r>
+              <a:rPr lang="cs-CZ" b="1" dirty="0" err="1"/>
+              <a:t>Blazor</a:t>
+            </a:r>
+            <a:br>
               <a:rPr lang="cs-CZ" b="1" dirty="0"/>
-              <a:t>Blazor</a:t>
+            </a:br>
+            <a:r>
+              <a:rPr lang="cs-CZ" sz="4000" dirty="0">
+                <a:solidFill>
+                  <a:srgbClr val="000000"/>
+                </a:solidFill>
+              </a:rPr>
+              <a:t>pro </a:t>
+            </a:r>
+            <a:r>
+              <a:rPr lang="cs-CZ" sz="4000" dirty="0" err="1">
+                <a:solidFill>
+                  <a:srgbClr val="000000"/>
+                </a:solidFill>
+              </a:rPr>
+              <a:t>Arkance</a:t>
+            </a:r>
+            <a:r>
+              <a:rPr lang="cs-CZ" sz="4000" dirty="0">
+                <a:solidFill>
+                  <a:srgbClr val="000000"/>
+                </a:solidFill>
+              </a:rPr>
+              <a:t> Systems</a:t>
+            </a:r>
+            <a:r>
+              <a:rPr lang="cs-CZ" sz="4000" b="1" dirty="0">
+                <a:solidFill>
+                  <a:srgbClr val="000000"/>
+                </a:solidFill>
+              </a:rPr>
+              <a:t> </a:t>
             </a:r>
           </a:p>
         </p:txBody>
@@ -4014,12 +4057,6 @@
           </a:bodyPr>
           <a:lstStyle/>
           <a:p>
-            <a:pPr marL="0" indent="0">
-              <a:buNone/>
-            </a:pPr>
-            <a:endParaRPr lang="cs-CZ" b="1" dirty="0"/>
-          </a:p>
-          <a:p>
             <a:r>
               <a:rPr lang="cs-CZ" dirty="0"/>
               <a:t>Hostingové modely</a:t>
@@ -4069,12 +4106,24 @@
               <a:t>JavaScript </a:t>
             </a:r>
             <a:r>
-              <a:rPr lang="cs-CZ"/>
+              <a:rPr lang="cs-CZ" dirty="0" err="1"/>
               <a:t>Interop</a:t>
             </a:r>
             <a:endParaRPr lang="cs-CZ" dirty="0"/>
           </a:p>
           <a:p>
+            <a:r>
+              <a:rPr lang="cs-CZ" dirty="0" err="1"/>
+              <a:t>Error</a:t>
+            </a:r>
+            <a:r>
+              <a:rPr lang="cs-CZ" dirty="0"/>
+              <a:t> </a:t>
+            </a:r>
+            <a:r>
+              <a:rPr lang="cs-CZ" dirty="0" err="1"/>
+              <a:t>Boundary</a:t>
+            </a:r>
             <a:endParaRPr lang="cs-CZ" dirty="0"/>
           </a:p>
           <a:p>

--- a/Presentation/2021-10-20/00 - Intro.pptx
+++ b/Presentation/2021-10-20/00 - Intro.pptx
@@ -240,7 +240,7 @@
             <a:fld id="{A74C3DD1-6B4C-423E-A696-BD4124EC33BC}" type="datetimeFigureOut">
               <a:rPr lang="cs-CZ" smtClean="0"/>
               <a:pPr/>
-              <a:t>19.10.2021</a:t>
+              <a:t>12.01.2024</a:t>
             </a:fld>
             <a:endParaRPr lang="cs-CZ" dirty="0"/>
           </a:p>
@@ -707,7 +707,7 @@
           <a:p>
             <a:fld id="{0DA6F2F8-F70A-47D7-AD2D-4F12E71A0C18}" type="datetimeFigureOut">
               <a:rPr lang="cs-CZ" smtClean="0"/>
-              <a:t>19.10.2021</a:t>
+              <a:t>12.01.2024</a:t>
             </a:fld>
             <a:endParaRPr lang="cs-CZ"/>
           </a:p>
@@ -889,7 +889,7 @@
           <a:p>
             <a:fld id="{0DA6F2F8-F70A-47D7-AD2D-4F12E71A0C18}" type="datetimeFigureOut">
               <a:rPr lang="cs-CZ" smtClean="0"/>
-              <a:t>19.10.2021</a:t>
+              <a:t>12.01.2024</a:t>
             </a:fld>
             <a:endParaRPr lang="cs-CZ"/>
           </a:p>
@@ -1081,7 +1081,7 @@
           <a:p>
             <a:fld id="{0DA6F2F8-F70A-47D7-AD2D-4F12E71A0C18}" type="datetimeFigureOut">
               <a:rPr lang="cs-CZ" smtClean="0"/>
-              <a:t>19.10.2021</a:t>
+              <a:t>12.01.2024</a:t>
             </a:fld>
             <a:endParaRPr lang="cs-CZ"/>
           </a:p>
@@ -1296,7 +1296,7 @@
           <a:p>
             <a:fld id="{0DA6F2F8-F70A-47D7-AD2D-4F12E71A0C18}" type="datetimeFigureOut">
               <a:rPr lang="cs-CZ" smtClean="0"/>
-              <a:t>19.10.2021</a:t>
+              <a:t>12.01.2024</a:t>
             </a:fld>
             <a:endParaRPr lang="cs-CZ"/>
           </a:p>
@@ -1571,7 +1571,7 @@
           <a:p>
             <a:fld id="{0DA6F2F8-F70A-47D7-AD2D-4F12E71A0C18}" type="datetimeFigureOut">
               <a:rPr lang="cs-CZ" smtClean="0"/>
-              <a:t>19.10.2021</a:t>
+              <a:t>12.01.2024</a:t>
             </a:fld>
             <a:endParaRPr lang="cs-CZ"/>
           </a:p>
@@ -1888,7 +1888,7 @@
           <a:p>
             <a:fld id="{0DA6F2F8-F70A-47D7-AD2D-4F12E71A0C18}" type="datetimeFigureOut">
               <a:rPr lang="cs-CZ" smtClean="0"/>
-              <a:t>19.10.2021</a:t>
+              <a:t>12.01.2024</a:t>
             </a:fld>
             <a:endParaRPr lang="cs-CZ" dirty="0"/>
           </a:p>
@@ -2339,7 +2339,7 @@
           <a:p>
             <a:fld id="{0DA6F2F8-F70A-47D7-AD2D-4F12E71A0C18}" type="datetimeFigureOut">
               <a:rPr lang="cs-CZ" smtClean="0"/>
-              <a:t>19.10.2021</a:t>
+              <a:t>12.01.2024</a:t>
             </a:fld>
             <a:endParaRPr lang="cs-CZ"/>
           </a:p>
@@ -2486,7 +2486,7 @@
           <a:p>
             <a:fld id="{0DA6F2F8-F70A-47D7-AD2D-4F12E71A0C18}" type="datetimeFigureOut">
               <a:rPr lang="cs-CZ" smtClean="0"/>
-              <a:t>19.10.2021</a:t>
+              <a:t>12.01.2024</a:t>
             </a:fld>
             <a:endParaRPr lang="cs-CZ"/>
           </a:p>
@@ -2593,7 +2593,7 @@
           <a:p>
             <a:fld id="{0DA6F2F8-F70A-47D7-AD2D-4F12E71A0C18}" type="datetimeFigureOut">
               <a:rPr lang="cs-CZ" smtClean="0"/>
-              <a:t>19.10.2021</a:t>
+              <a:t>12.01.2024</a:t>
             </a:fld>
             <a:endParaRPr lang="cs-CZ"/>
           </a:p>
@@ -2884,7 +2884,7 @@
           <a:p>
             <a:fld id="{0DA6F2F8-F70A-47D7-AD2D-4F12E71A0C18}" type="datetimeFigureOut">
               <a:rPr lang="cs-CZ" smtClean="0"/>
-              <a:t>19.10.2021</a:t>
+              <a:t>12.01.2024</a:t>
             </a:fld>
             <a:endParaRPr lang="cs-CZ"/>
           </a:p>
@@ -3153,7 +3153,7 @@
           <a:p>
             <a:fld id="{0DA6F2F8-F70A-47D7-AD2D-4F12E71A0C18}" type="datetimeFigureOut">
               <a:rPr lang="cs-CZ" smtClean="0"/>
-              <a:t>19.10.2021</a:t>
+              <a:t>12.01.2024</a:t>
             </a:fld>
             <a:endParaRPr lang="cs-CZ"/>
           </a:p>
@@ -3417,7 +3417,7 @@
           <a:p>
             <a:fld id="{0DA6F2F8-F70A-47D7-AD2D-4F12E71A0C18}" type="datetimeFigureOut">
               <a:rPr lang="cs-CZ" smtClean="0"/>
-              <a:t>19.10.2021</a:t>
+              <a:t>12.01.2024</a:t>
             </a:fld>
             <a:endParaRPr lang="cs-CZ"/>
           </a:p>
@@ -3849,40 +3849,13 @@
               <a:t>Blazor</a:t>
             </a:r>
             <a:br>
-              <a:rPr lang="cs-CZ" b="1" dirty="0"/>
+              <a:rPr lang="cs-CZ" b="1"/>
             </a:br>
-            <a:r>
-              <a:rPr lang="cs-CZ" sz="4000" dirty="0">
-                <a:solidFill>
-                  <a:srgbClr val="000000"/>
-                </a:solidFill>
-              </a:rPr>
-              <a:t>pro </a:t>
-            </a:r>
-            <a:r>
-              <a:rPr lang="cs-CZ" sz="4000" dirty="0" err="1">
-                <a:solidFill>
-                  <a:srgbClr val="000000"/>
-                </a:solidFill>
-              </a:rPr>
-              <a:t>Arkance</a:t>
-            </a:r>
-            <a:r>
-              <a:rPr lang="cs-CZ" sz="4000" dirty="0">
-                <a:solidFill>
-                  <a:srgbClr val="000000"/>
-                </a:solidFill>
-              </a:rPr>
-              <a:t> Systems</a:t>
-            </a:r>
-            <a:r>
-              <a:rPr lang="cs-CZ" sz="4000" b="1" dirty="0">
-                <a:solidFill>
-                  <a:srgbClr val="000000"/>
-                </a:solidFill>
-              </a:rPr>
-              <a:t> </a:t>
-            </a:r>
+            <a:endParaRPr lang="cs-CZ" sz="4000" b="1" dirty="0">
+              <a:solidFill>
+                <a:srgbClr val="000000"/>
+              </a:solidFill>
+            </a:endParaRPr>
           </a:p>
         </p:txBody>
       </p:sp>
@@ -4867,18 +4840,18 @@
 </file>
 
 <file path=customXml/item2.xml><?xml version="1.0" encoding="utf-8"?>
+<p:properties xmlns:p="http://schemas.microsoft.com/office/2006/metadata/properties" xmlns:xsi="http://www.w3.org/2001/XMLSchema-instance" xmlns:pc="http://schemas.microsoft.com/office/infopath/2007/PartnerControls">
+  <documentManagement/>
+</p:properties>
+</file>
+
+<file path=customXml/item3.xml><?xml version="1.0" encoding="utf-8"?>
 <?mso-contentType ?>
 <FormTemplates xmlns="http://schemas.microsoft.com/sharepoint/v3/contenttype/forms">
   <Display>DocumentLibraryForm</Display>
   <Edit>DocumentLibraryForm</Edit>
   <New>DocumentLibraryForm</New>
 </FormTemplates>
-</file>
-
-<file path=customXml/item3.xml><?xml version="1.0" encoding="utf-8"?>
-<p:properties xmlns:p="http://schemas.microsoft.com/office/2006/metadata/properties" xmlns:xsi="http://www.w3.org/2001/XMLSchema-instance" xmlns:pc="http://schemas.microsoft.com/office/infopath/2007/PartnerControls">
-  <documentManagement/>
-</p:properties>
 </file>
 
 <file path=customXml/itemProps1.xml><?xml version="1.0" encoding="utf-8"?>
@@ -4898,18 +4871,18 @@
 </file>
 
 <file path=customXml/itemProps2.xml><?xml version="1.0" encoding="utf-8"?>
-<ds:datastoreItem xmlns:ds="http://schemas.openxmlformats.org/officeDocument/2006/customXml" ds:itemID="{B22238E5-BDC0-4655-AFB5-A7405C559E7D}">
-  <ds:schemaRefs>
-    <ds:schemaRef ds:uri="http://schemas.microsoft.com/sharepoint/v3/contenttype/forms"/>
-  </ds:schemaRefs>
-</ds:datastoreItem>
-</file>
-
-<file path=customXml/itemProps3.xml><?xml version="1.0" encoding="utf-8"?>
 <ds:datastoreItem xmlns:ds="http://schemas.openxmlformats.org/officeDocument/2006/customXml" ds:itemID="{317FD51D-081C-435E-8F5D-6D88218064D9}">
   <ds:schemaRefs>
     <ds:schemaRef ds:uri="http://schemas.microsoft.com/office/2006/metadata/properties"/>
     <ds:schemaRef ds:uri="http://schemas.microsoft.com/office/infopath/2007/PartnerControls"/>
   </ds:schemaRefs>
 </ds:datastoreItem>
+</file>
+
+<file path=customXml/itemProps3.xml><?xml version="1.0" encoding="utf-8"?>
+<ds:datastoreItem xmlns:ds="http://schemas.openxmlformats.org/officeDocument/2006/customXml" ds:itemID="{B22238E5-BDC0-4655-AFB5-A7405C559E7D}">
+  <ds:schemaRefs>
+    <ds:schemaRef ds:uri="http://schemas.microsoft.com/sharepoint/v3/contenttype/forms"/>
+  </ds:schemaRefs>
+</ds:datastoreItem>
 </file>